--- a/GrafičniVmesikZBazo/GrafičniVmesikZBazo.pptx
+++ b/GrafičniVmesikZBazo/GrafičniVmesikZBazo.pptx
@@ -111,6 +111,11 @@
       </a:defRPr>
     </a:lvl9pPr>
   </p:defaultTextStyle>
+  <p:extLst>
+    <p:ext uri="{EFAFB233-063F-42B5-8137-9DF3F51BA10A}">
+      <p15:sldGuideLst xmlns:p15="http://schemas.microsoft.com/office/powerpoint/2012/main"/>
+    </p:ext>
+  </p:extLst>
 </p:presentation>
 </file>
 
@@ -253,7 +258,7 @@
           <a:p>
             <a:fld id="{20E9C016-35C1-4530-B2D9-803C085EC871}" type="datetimeFigureOut">
               <a:rPr lang="sl-SI" smtClean="0"/>
-              <a:t>31. 05. 2023</a:t>
+              <a:t>1. 06. 2023</a:t>
             </a:fld>
             <a:endParaRPr lang="sl-SI"/>
           </a:p>
@@ -464,7 +469,7 @@
           <a:p>
             <a:fld id="{20E9C016-35C1-4530-B2D9-803C085EC871}" type="datetimeFigureOut">
               <a:rPr lang="sl-SI" smtClean="0"/>
-              <a:t>31. 05. 2023</a:t>
+              <a:t>1. 06. 2023</a:t>
             </a:fld>
             <a:endParaRPr lang="sl-SI"/>
           </a:p>
@@ -679,7 +684,7 @@
           <a:p>
             <a:fld id="{20E9C016-35C1-4530-B2D9-803C085EC871}" type="datetimeFigureOut">
               <a:rPr lang="sl-SI" smtClean="0"/>
-              <a:t>31. 05. 2023</a:t>
+              <a:t>1. 06. 2023</a:t>
             </a:fld>
             <a:endParaRPr lang="sl-SI"/>
           </a:p>
@@ -880,7 +885,7 @@
           <a:p>
             <a:fld id="{20E9C016-35C1-4530-B2D9-803C085EC871}" type="datetimeFigureOut">
               <a:rPr lang="sl-SI" smtClean="0"/>
-              <a:t>31. 05. 2023</a:t>
+              <a:t>1. 06. 2023</a:t>
             </a:fld>
             <a:endParaRPr lang="sl-SI"/>
           </a:p>
@@ -1159,7 +1164,7 @@
           <a:p>
             <a:fld id="{20E9C016-35C1-4530-B2D9-803C085EC871}" type="datetimeFigureOut">
               <a:rPr lang="sl-SI" smtClean="0"/>
-              <a:t>31. 05. 2023</a:t>
+              <a:t>1. 06. 2023</a:t>
             </a:fld>
             <a:endParaRPr lang="sl-SI"/>
           </a:p>
@@ -1427,7 +1432,7 @@
           <a:p>
             <a:fld id="{20E9C016-35C1-4530-B2D9-803C085EC871}" type="datetimeFigureOut">
               <a:rPr lang="sl-SI" smtClean="0"/>
-              <a:t>31. 05. 2023</a:t>
+              <a:t>1. 06. 2023</a:t>
             </a:fld>
             <a:endParaRPr lang="sl-SI"/>
           </a:p>
@@ -1843,7 +1848,7 @@
           <a:p>
             <a:fld id="{20E9C016-35C1-4530-B2D9-803C085EC871}" type="datetimeFigureOut">
               <a:rPr lang="sl-SI" smtClean="0"/>
-              <a:t>31. 05. 2023</a:t>
+              <a:t>1. 06. 2023</a:t>
             </a:fld>
             <a:endParaRPr lang="sl-SI"/>
           </a:p>
@@ -1992,7 +1997,7 @@
           <a:p>
             <a:fld id="{20E9C016-35C1-4530-B2D9-803C085EC871}" type="datetimeFigureOut">
               <a:rPr lang="sl-SI" smtClean="0"/>
-              <a:t>31. 05. 2023</a:t>
+              <a:t>1. 06. 2023</a:t>
             </a:fld>
             <a:endParaRPr lang="sl-SI"/>
           </a:p>
@@ -2118,7 +2123,7 @@
           <a:p>
             <a:fld id="{20E9C016-35C1-4530-B2D9-803C085EC871}" type="datetimeFigureOut">
               <a:rPr lang="sl-SI" smtClean="0"/>
-              <a:t>31. 05. 2023</a:t>
+              <a:t>1. 06. 2023</a:t>
             </a:fld>
             <a:endParaRPr lang="sl-SI"/>
           </a:p>
@@ -2369,7 +2374,7 @@
           <a:p>
             <a:fld id="{20E9C016-35C1-4530-B2D9-803C085EC871}" type="datetimeFigureOut">
               <a:rPr lang="sl-SI" smtClean="0"/>
-              <a:t>31. 05. 2023</a:t>
+              <a:t>1. 06. 2023</a:t>
             </a:fld>
             <a:endParaRPr lang="sl-SI"/>
           </a:p>
@@ -2814,7 +2819,7 @@
           <a:p>
             <a:fld id="{20E9C016-35C1-4530-B2D9-803C085EC871}" type="datetimeFigureOut">
               <a:rPr lang="sl-SI" smtClean="0"/>
-              <a:t>31. 05. 2023</a:t>
+              <a:t>1. 06. 2023</a:t>
             </a:fld>
             <a:endParaRPr lang="sl-SI"/>
           </a:p>
@@ -3141,7 +3146,7 @@
           <a:p>
             <a:fld id="{20E9C016-35C1-4530-B2D9-803C085EC871}" type="datetimeFigureOut">
               <a:rPr lang="sl-SI" smtClean="0"/>
-              <a:t>31. 05. 2023</a:t>
+              <a:t>1. 06. 2023</a:t>
             </a:fld>
             <a:endParaRPr lang="sl-SI"/>
           </a:p>
@@ -4459,35 +4464,6 @@
           </a:p>
         </p:txBody>
       </p:sp>
-      <p:pic>
-        <p:nvPicPr>
-          <p:cNvPr id="5" name="Označba mesta vsebine 4">
-            <a:extLst>
-              <a:ext uri="{FF2B5EF4-FFF2-40B4-BE49-F238E27FC236}">
-                <a16:creationId xmlns:a16="http://schemas.microsoft.com/office/drawing/2014/main" id="{9BD0EC71-3678-5BDA-656F-73430AA1ACE0}"/>
-              </a:ext>
-            </a:extLst>
-          </p:cNvPr>
-          <p:cNvPicPr>
-            <a:picLocks noGrp="1" noChangeAspect="1"/>
-          </p:cNvPicPr>
-          <p:nvPr>
-            <p:ph idx="1"/>
-          </p:nvPr>
-        </p:nvPicPr>
-        <p:blipFill>
-          <a:blip r:embed="rId2"/>
-          <a:stretch>
-            <a:fillRect/>
-          </a:stretch>
-        </p:blipFill>
-        <p:spPr>
-          <a:xfrm>
-            <a:off x="4533053" y="1853754"/>
-            <a:ext cx="6521801" cy="4104757"/>
-          </a:xfrm>
-        </p:spPr>
-      </p:pic>
       <p:sp>
         <p:nvSpPr>
           <p:cNvPr id="6" name="PoljeZBesedilom 5">
@@ -4523,6 +4499,61 @@
           </a:p>
         </p:txBody>
       </p:sp>
+      <p:sp>
+        <p:nvSpPr>
+          <p:cNvPr id="4" name="Označba mesta vsebine 3">
+            <a:extLst>
+              <a:ext uri="{FF2B5EF4-FFF2-40B4-BE49-F238E27FC236}">
+                <a16:creationId xmlns:a16="http://schemas.microsoft.com/office/drawing/2014/main" id="{2BE5C011-CABB-2536-7BCA-3E66978B72C4}"/>
+              </a:ext>
+            </a:extLst>
+          </p:cNvPr>
+          <p:cNvSpPr>
+            <a:spLocks noGrp="1"/>
+          </p:cNvSpPr>
+          <p:nvPr>
+            <p:ph idx="1"/>
+          </p:nvPr>
+        </p:nvSpPr>
+        <p:spPr/>
+        <p:txBody>
+          <a:bodyPr/>
+          <a:lstStyle/>
+          <a:p>
+            <a:endParaRPr lang="sl-SI"/>
+          </a:p>
+        </p:txBody>
+      </p:sp>
+      <p:pic>
+        <p:nvPicPr>
+          <p:cNvPr id="8" name="Slika 7">
+            <a:extLst>
+              <a:ext uri="{FF2B5EF4-FFF2-40B4-BE49-F238E27FC236}">
+                <a16:creationId xmlns:a16="http://schemas.microsoft.com/office/drawing/2014/main" id="{178C4FFE-AA5C-F70A-4B87-7CCE3278BDB4}"/>
+              </a:ext>
+            </a:extLst>
+          </p:cNvPr>
+          <p:cNvPicPr>
+            <a:picLocks noChangeAspect="1"/>
+          </p:cNvPicPr>
+          <p:nvPr/>
+        </p:nvPicPr>
+        <p:blipFill>
+          <a:blip r:embed="rId2"/>
+          <a:stretch>
+            <a:fillRect/>
+          </a:stretch>
+        </p:blipFill>
+        <p:spPr>
+          <a:xfrm>
+            <a:off x="5318449" y="2015732"/>
+            <a:ext cx="5736405" cy="3804758"/>
+          </a:xfrm>
+          <a:prstGeom prst="rect">
+            <a:avLst/>
+          </a:prstGeom>
+        </p:spPr>
+      </p:pic>
     </p:spTree>
     <p:extLst>
       <p:ext uri="{BB962C8B-B14F-4D97-AF65-F5344CB8AC3E}">

--- a/GrafičniVmesikZBazo/GrafičniVmesikZBazo.pptx
+++ b/GrafičniVmesikZBazo/GrafičniVmesikZBazo.pptx
@@ -10,9 +10,10 @@
     <p:sldId id="262" r:id="rId4"/>
     <p:sldId id="263" r:id="rId5"/>
     <p:sldId id="258" r:id="rId6"/>
-    <p:sldId id="265" r:id="rId7"/>
-    <p:sldId id="264" r:id="rId8"/>
-    <p:sldId id="260" r:id="rId9"/>
+    <p:sldId id="266" r:id="rId7"/>
+    <p:sldId id="265" r:id="rId8"/>
+    <p:sldId id="264" r:id="rId9"/>
+    <p:sldId id="260" r:id="rId10"/>
   </p:sldIdLst>
   <p:sldSz cx="12192000" cy="6858000"/>
   <p:notesSz cx="6858000" cy="9144000"/>
@@ -258,7 +259,7 @@
           <a:p>
             <a:fld id="{20E9C016-35C1-4530-B2D9-803C085EC871}" type="datetimeFigureOut">
               <a:rPr lang="sl-SI" smtClean="0"/>
-              <a:t>1. 06. 2023</a:t>
+              <a:t>2. 06. 2023</a:t>
             </a:fld>
             <a:endParaRPr lang="sl-SI"/>
           </a:p>
@@ -469,7 +470,7 @@
           <a:p>
             <a:fld id="{20E9C016-35C1-4530-B2D9-803C085EC871}" type="datetimeFigureOut">
               <a:rPr lang="sl-SI" smtClean="0"/>
-              <a:t>1. 06. 2023</a:t>
+              <a:t>2. 06. 2023</a:t>
             </a:fld>
             <a:endParaRPr lang="sl-SI"/>
           </a:p>
@@ -684,7 +685,7 @@
           <a:p>
             <a:fld id="{20E9C016-35C1-4530-B2D9-803C085EC871}" type="datetimeFigureOut">
               <a:rPr lang="sl-SI" smtClean="0"/>
-              <a:t>1. 06. 2023</a:t>
+              <a:t>2. 06. 2023</a:t>
             </a:fld>
             <a:endParaRPr lang="sl-SI"/>
           </a:p>
@@ -885,7 +886,7 @@
           <a:p>
             <a:fld id="{20E9C016-35C1-4530-B2D9-803C085EC871}" type="datetimeFigureOut">
               <a:rPr lang="sl-SI" smtClean="0"/>
-              <a:t>1. 06. 2023</a:t>
+              <a:t>2. 06. 2023</a:t>
             </a:fld>
             <a:endParaRPr lang="sl-SI"/>
           </a:p>
@@ -1164,7 +1165,7 @@
           <a:p>
             <a:fld id="{20E9C016-35C1-4530-B2D9-803C085EC871}" type="datetimeFigureOut">
               <a:rPr lang="sl-SI" smtClean="0"/>
-              <a:t>1. 06. 2023</a:t>
+              <a:t>2. 06. 2023</a:t>
             </a:fld>
             <a:endParaRPr lang="sl-SI"/>
           </a:p>
@@ -1432,7 +1433,7 @@
           <a:p>
             <a:fld id="{20E9C016-35C1-4530-B2D9-803C085EC871}" type="datetimeFigureOut">
               <a:rPr lang="sl-SI" smtClean="0"/>
-              <a:t>1. 06. 2023</a:t>
+              <a:t>2. 06. 2023</a:t>
             </a:fld>
             <a:endParaRPr lang="sl-SI"/>
           </a:p>
@@ -1848,7 +1849,7 @@
           <a:p>
             <a:fld id="{20E9C016-35C1-4530-B2D9-803C085EC871}" type="datetimeFigureOut">
               <a:rPr lang="sl-SI" smtClean="0"/>
-              <a:t>1. 06. 2023</a:t>
+              <a:t>2. 06. 2023</a:t>
             </a:fld>
             <a:endParaRPr lang="sl-SI"/>
           </a:p>
@@ -1997,7 +1998,7 @@
           <a:p>
             <a:fld id="{20E9C016-35C1-4530-B2D9-803C085EC871}" type="datetimeFigureOut">
               <a:rPr lang="sl-SI" smtClean="0"/>
-              <a:t>1. 06. 2023</a:t>
+              <a:t>2. 06. 2023</a:t>
             </a:fld>
             <a:endParaRPr lang="sl-SI"/>
           </a:p>
@@ -2123,7 +2124,7 @@
           <a:p>
             <a:fld id="{20E9C016-35C1-4530-B2D9-803C085EC871}" type="datetimeFigureOut">
               <a:rPr lang="sl-SI" smtClean="0"/>
-              <a:t>1. 06. 2023</a:t>
+              <a:t>2. 06. 2023</a:t>
             </a:fld>
             <a:endParaRPr lang="sl-SI"/>
           </a:p>
@@ -2374,7 +2375,7 @@
           <a:p>
             <a:fld id="{20E9C016-35C1-4530-B2D9-803C085EC871}" type="datetimeFigureOut">
               <a:rPr lang="sl-SI" smtClean="0"/>
-              <a:t>1. 06. 2023</a:t>
+              <a:t>2. 06. 2023</a:t>
             </a:fld>
             <a:endParaRPr lang="sl-SI"/>
           </a:p>
@@ -2819,7 +2820,7 @@
           <a:p>
             <a:fld id="{20E9C016-35C1-4530-B2D9-803C085EC871}" type="datetimeFigureOut">
               <a:rPr lang="sl-SI" smtClean="0"/>
-              <a:t>1. 06. 2023</a:t>
+              <a:t>2. 06. 2023</a:t>
             </a:fld>
             <a:endParaRPr lang="sl-SI"/>
           </a:p>
@@ -3146,7 +3147,7 @@
           <a:p>
             <a:fld id="{20E9C016-35C1-4530-B2D9-803C085EC871}" type="datetimeFigureOut">
               <a:rPr lang="sl-SI" smtClean="0"/>
-              <a:t>1. 06. 2023</a:t>
+              <a:t>2. 06. 2023</a:t>
             </a:fld>
             <a:endParaRPr lang="sl-SI"/>
           </a:p>
@@ -4182,7 +4183,7 @@
           <a:p>
             <a:r>
               <a:rPr lang="sl-SI" dirty="0"/>
-              <a:t>Do baze se moramo povezati, kar storimo z povezovalnim nizom:</a:t>
+              <a:t>Do baze dostopamo s povezovalnim nizom:</a:t>
             </a:r>
           </a:p>
           <a:p>
@@ -4319,7 +4320,7 @@
           <p:cNvPr id="2" name="Naslov 1">
             <a:extLst>
               <a:ext uri="{FF2B5EF4-FFF2-40B4-BE49-F238E27FC236}">
-                <a16:creationId xmlns:a16="http://schemas.microsoft.com/office/drawing/2014/main" id="{9B937271-8A46-668C-4B9B-5156A2E90A27}"/>
+                <a16:creationId xmlns:a16="http://schemas.microsoft.com/office/drawing/2014/main" id="{802EB821-582B-B4AA-E63D-55F29B6DE13E}"/>
               </a:ext>
             </a:extLst>
           </p:cNvPr>
@@ -4337,8 +4338,13 @@
           <a:p>
             <a:r>
               <a:rPr lang="sl-SI" dirty="0"/>
-              <a:t>Grafični vmesnik</a:t>
-            </a:r>
+              <a:t>Napolnimo </a:t>
+            </a:r>
+            <a:r>
+              <a:rPr lang="sl-SI" dirty="0" err="1"/>
+              <a:t>Dataset</a:t>
+            </a:r>
+            <a:endParaRPr lang="sl-SI" dirty="0"/>
           </a:p>
         </p:txBody>
       </p:sp>
@@ -4347,7 +4353,7 @@
           <p:cNvPr id="5" name="Označba mesta vsebine 4">
             <a:extLst>
               <a:ext uri="{FF2B5EF4-FFF2-40B4-BE49-F238E27FC236}">
-                <a16:creationId xmlns:a16="http://schemas.microsoft.com/office/drawing/2014/main" id="{DB46DB47-0999-8E80-42DE-70FBB26E46A5}"/>
+                <a16:creationId xmlns:a16="http://schemas.microsoft.com/office/drawing/2014/main" id="{7D06B9CE-B0C9-0D49-F6CB-E0D8EC9DF13C}"/>
               </a:ext>
             </a:extLst>
           </p:cNvPr>
@@ -4366,50 +4372,15 @@
         </p:blipFill>
         <p:spPr>
           <a:xfrm>
-            <a:off x="5097058" y="1853754"/>
-            <a:ext cx="5957796" cy="3449638"/>
+            <a:off x="2895153" y="3028413"/>
+            <a:ext cx="6401693" cy="1267002"/>
           </a:xfrm>
         </p:spPr>
       </p:pic>
-      <p:sp>
-        <p:nvSpPr>
-          <p:cNvPr id="6" name="PoljeZBesedilom 5">
-            <a:extLst>
-              <a:ext uri="{FF2B5EF4-FFF2-40B4-BE49-F238E27FC236}">
-                <a16:creationId xmlns:a16="http://schemas.microsoft.com/office/drawing/2014/main" id="{45B46003-4D3E-81C1-5C02-96756FFFE245}"/>
-              </a:ext>
-            </a:extLst>
-          </p:cNvPr>
-          <p:cNvSpPr txBox="1"/>
-          <p:nvPr/>
-        </p:nvSpPr>
-        <p:spPr>
-          <a:xfrm>
-            <a:off x="1451579" y="1853754"/>
-            <a:ext cx="3204397" cy="2031325"/>
-          </a:xfrm>
-          <a:prstGeom prst="rect">
-            <a:avLst/>
-          </a:prstGeom>
-          <a:noFill/>
-        </p:spPr>
-        <p:txBody>
-          <a:bodyPr wrap="square" rtlCol="0">
-            <a:spAutoFit/>
-          </a:bodyPr>
-          <a:lstStyle/>
-          <a:p>
-            <a:r>
-              <a:rPr lang="sl-SI" dirty="0"/>
-              <a:t>Naredimo grafični vmesnik. Imamo polje, kjer bomo izbirali med področji za Nobelove nagrajence in leto prejetja nagrade. Dodamo še gumb, na katerega pritisnemo, da se nam izpišejo nagrajenci na zaslonu.</a:t>
-            </a:r>
-          </a:p>
-        </p:txBody>
-      </p:sp>
     </p:spTree>
     <p:extLst>
       <p:ext uri="{BB962C8B-B14F-4D97-AF65-F5344CB8AC3E}">
-        <p14:creationId xmlns:p14="http://schemas.microsoft.com/office/powerpoint/2010/main" val="2620490203"/>
+        <p14:creationId xmlns:p14="http://schemas.microsoft.com/office/powerpoint/2010/main" val="2863363893"/>
       </p:ext>
     </p:extLst>
   </p:cSld>
@@ -4441,7 +4412,7 @@
           <p:cNvPr id="2" name="Naslov 1">
             <a:extLst>
               <a:ext uri="{FF2B5EF4-FFF2-40B4-BE49-F238E27FC236}">
-                <a16:creationId xmlns:a16="http://schemas.microsoft.com/office/drawing/2014/main" id="{A83507E8-0917-D53C-283D-787D7B4AB9A1}"/>
+                <a16:creationId xmlns:a16="http://schemas.microsoft.com/office/drawing/2014/main" id="{9B937271-8A46-668C-4B9B-5156A2E90A27}"/>
               </a:ext>
             </a:extLst>
           </p:cNvPr>
@@ -4459,84 +4430,26 @@
           <a:p>
             <a:r>
               <a:rPr lang="sl-SI" dirty="0"/>
-              <a:t>Program</a:t>
-            </a:r>
-          </a:p>
-        </p:txBody>
-      </p:sp>
-      <p:sp>
-        <p:nvSpPr>
-          <p:cNvPr id="6" name="PoljeZBesedilom 5">
+              <a:t>Grafični vmesnik</a:t>
+            </a:r>
+          </a:p>
+        </p:txBody>
+      </p:sp>
+      <p:pic>
+        <p:nvPicPr>
+          <p:cNvPr id="5" name="Označba mesta vsebine 4">
             <a:extLst>
               <a:ext uri="{FF2B5EF4-FFF2-40B4-BE49-F238E27FC236}">
-                <a16:creationId xmlns:a16="http://schemas.microsoft.com/office/drawing/2014/main" id="{113EB045-A4D8-78F3-E1EC-F18348E5178A}"/>
-              </a:ext>
-            </a:extLst>
-          </p:cNvPr>
-          <p:cNvSpPr txBox="1"/>
-          <p:nvPr/>
-        </p:nvSpPr>
-        <p:spPr>
-          <a:xfrm>
-            <a:off x="1451579" y="2553550"/>
-            <a:ext cx="2691213" cy="369332"/>
-          </a:xfrm>
-          <a:prstGeom prst="rect">
-            <a:avLst/>
-          </a:prstGeom>
-          <a:noFill/>
-        </p:spPr>
-        <p:txBody>
-          <a:bodyPr wrap="square" rtlCol="0">
-            <a:spAutoFit/>
-          </a:bodyPr>
-          <a:lstStyle/>
-          <a:p>
-            <a:r>
-              <a:rPr lang="sl-SI" dirty="0"/>
-              <a:t>Napišemo program</a:t>
-            </a:r>
-          </a:p>
-        </p:txBody>
-      </p:sp>
-      <p:sp>
-        <p:nvSpPr>
-          <p:cNvPr id="4" name="Označba mesta vsebine 3">
-            <a:extLst>
-              <a:ext uri="{FF2B5EF4-FFF2-40B4-BE49-F238E27FC236}">
-                <a16:creationId xmlns:a16="http://schemas.microsoft.com/office/drawing/2014/main" id="{2BE5C011-CABB-2536-7BCA-3E66978B72C4}"/>
-              </a:ext>
-            </a:extLst>
-          </p:cNvPr>
-          <p:cNvSpPr>
-            <a:spLocks noGrp="1"/>
-          </p:cNvSpPr>
-          <p:nvPr>
-            <p:ph idx="1"/>
-          </p:nvPr>
-        </p:nvSpPr>
-        <p:spPr/>
-        <p:txBody>
-          <a:bodyPr/>
-          <a:lstStyle/>
-          <a:p>
-            <a:endParaRPr lang="sl-SI"/>
-          </a:p>
-        </p:txBody>
-      </p:sp>
-      <p:pic>
-        <p:nvPicPr>
-          <p:cNvPr id="8" name="Slika 7">
-            <a:extLst>
-              <a:ext uri="{FF2B5EF4-FFF2-40B4-BE49-F238E27FC236}">
-                <a16:creationId xmlns:a16="http://schemas.microsoft.com/office/drawing/2014/main" id="{178C4FFE-AA5C-F70A-4B87-7CCE3278BDB4}"/>
+                <a16:creationId xmlns:a16="http://schemas.microsoft.com/office/drawing/2014/main" id="{DB46DB47-0999-8E80-42DE-70FBB26E46A5}"/>
               </a:ext>
             </a:extLst>
           </p:cNvPr>
           <p:cNvPicPr>
-            <a:picLocks noChangeAspect="1"/>
+            <a:picLocks noGrp="1" noChangeAspect="1"/>
           </p:cNvPicPr>
-          <p:nvPr/>
+          <p:nvPr>
+            <p:ph idx="1"/>
+          </p:nvPr>
         </p:nvPicPr>
         <p:blipFill>
           <a:blip r:embed="rId2"/>
@@ -4546,18 +4459,50 @@
         </p:blipFill>
         <p:spPr>
           <a:xfrm>
-            <a:off x="5318449" y="2015732"/>
-            <a:ext cx="5736405" cy="3804758"/>
+            <a:off x="5097058" y="1853754"/>
+            <a:ext cx="5957796" cy="3449638"/>
+          </a:xfrm>
+        </p:spPr>
+      </p:pic>
+      <p:sp>
+        <p:nvSpPr>
+          <p:cNvPr id="6" name="PoljeZBesedilom 5">
+            <a:extLst>
+              <a:ext uri="{FF2B5EF4-FFF2-40B4-BE49-F238E27FC236}">
+                <a16:creationId xmlns:a16="http://schemas.microsoft.com/office/drawing/2014/main" id="{45B46003-4D3E-81C1-5C02-96756FFFE245}"/>
+              </a:ext>
+            </a:extLst>
+          </p:cNvPr>
+          <p:cNvSpPr txBox="1"/>
+          <p:nvPr/>
+        </p:nvSpPr>
+        <p:spPr>
+          <a:xfrm>
+            <a:off x="1451579" y="1853754"/>
+            <a:ext cx="3204397" cy="2031325"/>
           </a:xfrm>
           <a:prstGeom prst="rect">
             <a:avLst/>
           </a:prstGeom>
-        </p:spPr>
-      </p:pic>
+          <a:noFill/>
+        </p:spPr>
+        <p:txBody>
+          <a:bodyPr wrap="square" rtlCol="0">
+            <a:spAutoFit/>
+          </a:bodyPr>
+          <a:lstStyle/>
+          <a:p>
+            <a:r>
+              <a:rPr lang="sl-SI" dirty="0"/>
+              <a:t>Naredimo grafični vmesnik. Imamo polje, kjer bomo izbirali med področji za Nobelove nagrajence in leto prejetja nagrade. Dodamo še gumb, na katerega pritisnemo, da se nam izpišejo nagrajenci na zaslonu.</a:t>
+            </a:r>
+          </a:p>
+        </p:txBody>
+      </p:sp>
     </p:spTree>
     <p:extLst>
       <p:ext uri="{BB962C8B-B14F-4D97-AF65-F5344CB8AC3E}">
-        <p14:creationId xmlns:p14="http://schemas.microsoft.com/office/powerpoint/2010/main" val="103814692"/>
+        <p14:creationId xmlns:p14="http://schemas.microsoft.com/office/powerpoint/2010/main" val="2620490203"/>
       </p:ext>
     </p:extLst>
   </p:cSld>
@@ -4589,7 +4534,7 @@
           <p:cNvPr id="2" name="Naslov 1">
             <a:extLst>
               <a:ext uri="{FF2B5EF4-FFF2-40B4-BE49-F238E27FC236}">
-                <a16:creationId xmlns:a16="http://schemas.microsoft.com/office/drawing/2014/main" id="{D937421A-60D0-EB56-7CD0-9F332E0418C5}"/>
+                <a16:creationId xmlns:a16="http://schemas.microsoft.com/office/drawing/2014/main" id="{A83507E8-0917-D53C-283D-787D7B4AB9A1}"/>
               </a:ext>
             </a:extLst>
           </p:cNvPr>
@@ -4605,25 +4550,86 @@
           <a:bodyPr/>
           <a:lstStyle/>
           <a:p>
+            <a:r>
+              <a:rPr lang="sl-SI" dirty="0"/>
+              <a:t>Program</a:t>
+            </a:r>
+          </a:p>
+        </p:txBody>
+      </p:sp>
+      <p:sp>
+        <p:nvSpPr>
+          <p:cNvPr id="6" name="PoljeZBesedilom 5">
+            <a:extLst>
+              <a:ext uri="{FF2B5EF4-FFF2-40B4-BE49-F238E27FC236}">
+                <a16:creationId xmlns:a16="http://schemas.microsoft.com/office/drawing/2014/main" id="{113EB045-A4D8-78F3-E1EC-F18348E5178A}"/>
+              </a:ext>
+            </a:extLst>
+          </p:cNvPr>
+          <p:cNvSpPr txBox="1"/>
+          <p:nvPr/>
+        </p:nvSpPr>
+        <p:spPr>
+          <a:xfrm>
+            <a:off x="1451579" y="2553550"/>
+            <a:ext cx="2691213" cy="369332"/>
+          </a:xfrm>
+          <a:prstGeom prst="rect">
+            <a:avLst/>
+          </a:prstGeom>
+          <a:noFill/>
+        </p:spPr>
+        <p:txBody>
+          <a:bodyPr wrap="square" rtlCol="0">
+            <a:spAutoFit/>
+          </a:bodyPr>
+          <a:lstStyle/>
+          <a:p>
+            <a:r>
+              <a:rPr lang="sl-SI" dirty="0"/>
+              <a:t>Napišemo program</a:t>
+            </a:r>
+          </a:p>
+        </p:txBody>
+      </p:sp>
+      <p:sp>
+        <p:nvSpPr>
+          <p:cNvPr id="4" name="Označba mesta vsebine 3">
+            <a:extLst>
+              <a:ext uri="{FF2B5EF4-FFF2-40B4-BE49-F238E27FC236}">
+                <a16:creationId xmlns:a16="http://schemas.microsoft.com/office/drawing/2014/main" id="{2BE5C011-CABB-2536-7BCA-3E66978B72C4}"/>
+              </a:ext>
+            </a:extLst>
+          </p:cNvPr>
+          <p:cNvSpPr>
+            <a:spLocks noGrp="1"/>
+          </p:cNvSpPr>
+          <p:nvPr>
+            <p:ph idx="1"/>
+          </p:nvPr>
+        </p:nvSpPr>
+        <p:spPr/>
+        <p:txBody>
+          <a:bodyPr/>
+          <a:lstStyle/>
+          <a:p>
             <a:endParaRPr lang="sl-SI" dirty="0"/>
           </a:p>
         </p:txBody>
       </p:sp>
       <p:pic>
         <p:nvPicPr>
-          <p:cNvPr id="5" name="Označba mesta vsebine 4">
+          <p:cNvPr id="5" name="Slika 4">
             <a:extLst>
               <a:ext uri="{FF2B5EF4-FFF2-40B4-BE49-F238E27FC236}">
-                <a16:creationId xmlns:a16="http://schemas.microsoft.com/office/drawing/2014/main" id="{53C40C98-2DD9-5197-8CC6-376F73BFDFD6}"/>
+                <a16:creationId xmlns:a16="http://schemas.microsoft.com/office/drawing/2014/main" id="{62CBF306-AB61-43BB-00A3-719CBBACE143}"/>
               </a:ext>
             </a:extLst>
           </p:cNvPr>
           <p:cNvPicPr>
-            <a:picLocks noGrp="1" noChangeAspect="1"/>
+            <a:picLocks noChangeAspect="1"/>
           </p:cNvPicPr>
-          <p:nvPr>
-            <p:ph idx="1"/>
-          </p:nvPr>
+          <p:nvPr/>
         </p:nvPicPr>
         <p:blipFill>
           <a:blip r:embed="rId2"/>
@@ -4633,9 +4639,122 @@
         </p:blipFill>
         <p:spPr>
           <a:xfrm>
-            <a:off x="3100262" y="1983150"/>
-            <a:ext cx="5991476" cy="3449638"/>
-          </a:xfrm>
+            <a:off x="4921446" y="2015732"/>
+            <a:ext cx="6255528" cy="4338300"/>
+          </a:xfrm>
+          <a:prstGeom prst="rect">
+            <a:avLst/>
+          </a:prstGeom>
+        </p:spPr>
+      </p:pic>
+    </p:spTree>
+    <p:extLst>
+      <p:ext uri="{BB962C8B-B14F-4D97-AF65-F5344CB8AC3E}">
+        <p14:creationId xmlns:p14="http://schemas.microsoft.com/office/powerpoint/2010/main" val="103814692"/>
+      </p:ext>
+    </p:extLst>
+  </p:cSld>
+  <p:clrMapOvr>
+    <a:masterClrMapping/>
+  </p:clrMapOvr>
+</p:sld>
+</file>
+
+<file path=ppt/slides/slide9.xml><?xml version="1.0" encoding="utf-8"?>
+<p:sld xmlns:a="http://schemas.openxmlformats.org/drawingml/2006/main" xmlns:r="http://schemas.openxmlformats.org/officeDocument/2006/relationships" xmlns:p="http://schemas.openxmlformats.org/presentationml/2006/main">
+  <p:cSld>
+    <p:spTree>
+      <p:nvGrpSpPr>
+        <p:cNvPr id="1" name=""/>
+        <p:cNvGrpSpPr/>
+        <p:nvPr/>
+      </p:nvGrpSpPr>
+      <p:grpSpPr>
+        <a:xfrm>
+          <a:off x="0" y="0"/>
+          <a:ext cx="0" cy="0"/>
+          <a:chOff x="0" y="0"/>
+          <a:chExt cx="0" cy="0"/>
+        </a:xfrm>
+      </p:grpSpPr>
+      <p:sp>
+        <p:nvSpPr>
+          <p:cNvPr id="2" name="Naslov 1">
+            <a:extLst>
+              <a:ext uri="{FF2B5EF4-FFF2-40B4-BE49-F238E27FC236}">
+                <a16:creationId xmlns:a16="http://schemas.microsoft.com/office/drawing/2014/main" id="{D937421A-60D0-EB56-7CD0-9F332E0418C5}"/>
+              </a:ext>
+            </a:extLst>
+          </p:cNvPr>
+          <p:cNvSpPr>
+            <a:spLocks noGrp="1"/>
+          </p:cNvSpPr>
+          <p:nvPr>
+            <p:ph type="title"/>
+          </p:nvPr>
+        </p:nvSpPr>
+        <p:spPr/>
+        <p:txBody>
+          <a:bodyPr/>
+          <a:lstStyle/>
+          <a:p>
+            <a:endParaRPr lang="sl-SI" dirty="0"/>
+          </a:p>
+        </p:txBody>
+      </p:sp>
+      <p:sp>
+        <p:nvSpPr>
+          <p:cNvPr id="4" name="Označba mesta vsebine 3">
+            <a:extLst>
+              <a:ext uri="{FF2B5EF4-FFF2-40B4-BE49-F238E27FC236}">
+                <a16:creationId xmlns:a16="http://schemas.microsoft.com/office/drawing/2014/main" id="{675ECFBB-F8D5-38EB-0779-7328BAFB7E75}"/>
+              </a:ext>
+            </a:extLst>
+          </p:cNvPr>
+          <p:cNvSpPr>
+            <a:spLocks noGrp="1"/>
+          </p:cNvSpPr>
+          <p:nvPr>
+            <p:ph idx="1"/>
+          </p:nvPr>
+        </p:nvSpPr>
+        <p:spPr/>
+        <p:txBody>
+          <a:bodyPr/>
+          <a:lstStyle/>
+          <a:p>
+            <a:endParaRPr lang="sl-SI"/>
+          </a:p>
+        </p:txBody>
+      </p:sp>
+      <p:pic>
+        <p:nvPicPr>
+          <p:cNvPr id="7" name="Slika 6">
+            <a:extLst>
+              <a:ext uri="{FF2B5EF4-FFF2-40B4-BE49-F238E27FC236}">
+                <a16:creationId xmlns:a16="http://schemas.microsoft.com/office/drawing/2014/main" id="{5D461CAD-A445-4261-2930-67EC8CD63C64}"/>
+              </a:ext>
+            </a:extLst>
+          </p:cNvPr>
+          <p:cNvPicPr>
+            <a:picLocks noChangeAspect="1"/>
+          </p:cNvPicPr>
+          <p:nvPr/>
+        </p:nvPicPr>
+        <p:blipFill>
+          <a:blip r:embed="rId2"/>
+          <a:stretch>
+            <a:fillRect/>
+          </a:stretch>
+        </p:blipFill>
+        <p:spPr>
+          <a:xfrm>
+            <a:off x="2974189" y="1639427"/>
+            <a:ext cx="6243621" cy="3579145"/>
+          </a:xfrm>
+          <a:prstGeom prst="rect">
+            <a:avLst/>
+          </a:prstGeom>
         </p:spPr>
       </p:pic>
     </p:spTree>
